--- a/example24.pptx
+++ b/example24.pptx
@@ -108,6 +108,11 @@
       </a:defRPr>
     </a:lvl9pPr>
   </p:defaultTextStyle>
+  <p:extLst>
+    <p:ext uri="{EFAFB233-063F-42B5-8137-9DF3F51BA10A}">
+      <p15:sldGuideLst xmlns:p15="http://schemas.microsoft.com/office/powerpoint/2012/main"/>
+    </p:ext>
+  </p:extLst>
 </p:presentation>
 </file>
 
@@ -153,10 +158,9 @@
           </a:lstStyle>
           <a:p>
             <a:r>
-              <a:rPr lang="en-US" smtClean="0"/>
+              <a:rPr lang="en-US"/>
               <a:t>Click to edit Master title style</a:t>
             </a:r>
-            <a:endParaRPr lang="en-US"/>
           </a:p>
         </p:txBody>
       </p:sp>
@@ -218,10 +222,9 @@
           </a:lstStyle>
           <a:p>
             <a:r>
-              <a:rPr lang="en-US" smtClean="0"/>
+              <a:rPr lang="en-US"/>
               <a:t>Click to edit Master subtitle style</a:t>
             </a:r>
-            <a:endParaRPr lang="en-US"/>
           </a:p>
         </p:txBody>
       </p:sp>
@@ -242,7 +245,7 @@
           <a:p>
             <a:fld id="{35A03DB7-35F4-49F8-9F7C-F9A34C2BA1DF}" type="datetimeFigureOut">
               <a:rPr lang="en-US" smtClean="0"/>
-              <a:t>5/6/2021</a:t>
+              <a:t>5/8/2021</a:t>
             </a:fld>
             <a:endParaRPr lang="en-US"/>
           </a:p>
@@ -336,10 +339,9 @@
           <a:lstStyle/>
           <a:p>
             <a:r>
-              <a:rPr lang="en-US" smtClean="0"/>
+              <a:rPr lang="en-US"/>
               <a:t>Click to edit Master title style</a:t>
             </a:r>
-            <a:endParaRPr lang="en-US"/>
           </a:p>
         </p:txBody>
       </p:sp>
@@ -360,38 +362,37 @@
           <a:p>
             <a:pPr lvl="0"/>
             <a:r>
-              <a:rPr lang="en-US" smtClean="0"/>
+              <a:rPr lang="en-US"/>
               <a:t>Edit Master text styles</a:t>
             </a:r>
           </a:p>
           <a:p>
             <a:pPr lvl="1"/>
             <a:r>
-              <a:rPr lang="en-US" smtClean="0"/>
+              <a:rPr lang="en-US"/>
               <a:t>Second level</a:t>
             </a:r>
           </a:p>
           <a:p>
             <a:pPr lvl="2"/>
             <a:r>
-              <a:rPr lang="en-US" smtClean="0"/>
+              <a:rPr lang="en-US"/>
               <a:t>Third level</a:t>
             </a:r>
           </a:p>
           <a:p>
             <a:pPr lvl="3"/>
             <a:r>
-              <a:rPr lang="en-US" smtClean="0"/>
+              <a:rPr lang="en-US"/>
               <a:t>Fourth level</a:t>
             </a:r>
           </a:p>
           <a:p>
             <a:pPr lvl="4"/>
             <a:r>
-              <a:rPr lang="en-US" smtClean="0"/>
+              <a:rPr lang="en-US"/>
               <a:t>Fifth level</a:t>
             </a:r>
-            <a:endParaRPr lang="en-US"/>
           </a:p>
         </p:txBody>
       </p:sp>
@@ -412,7 +413,7 @@
           <a:p>
             <a:fld id="{35A03DB7-35F4-49F8-9F7C-F9A34C2BA1DF}" type="datetimeFigureOut">
               <a:rPr lang="en-US" smtClean="0"/>
-              <a:t>5/6/2021</a:t>
+              <a:t>5/8/2021</a:t>
             </a:fld>
             <a:endParaRPr lang="en-US"/>
           </a:p>
@@ -511,10 +512,9 @@
           <a:lstStyle/>
           <a:p>
             <a:r>
-              <a:rPr lang="en-US" smtClean="0"/>
+              <a:rPr lang="en-US"/>
               <a:t>Click to edit Master title style</a:t>
             </a:r>
-            <a:endParaRPr lang="en-US"/>
           </a:p>
         </p:txBody>
       </p:sp>
@@ -540,38 +540,37 @@
           <a:p>
             <a:pPr lvl="0"/>
             <a:r>
-              <a:rPr lang="en-US" smtClean="0"/>
+              <a:rPr lang="en-US"/>
               <a:t>Edit Master text styles</a:t>
             </a:r>
           </a:p>
           <a:p>
             <a:pPr lvl="1"/>
             <a:r>
-              <a:rPr lang="en-US" smtClean="0"/>
+              <a:rPr lang="en-US"/>
               <a:t>Second level</a:t>
             </a:r>
           </a:p>
           <a:p>
             <a:pPr lvl="2"/>
             <a:r>
-              <a:rPr lang="en-US" smtClean="0"/>
+              <a:rPr lang="en-US"/>
               <a:t>Third level</a:t>
             </a:r>
           </a:p>
           <a:p>
             <a:pPr lvl="3"/>
             <a:r>
-              <a:rPr lang="en-US" smtClean="0"/>
+              <a:rPr lang="en-US"/>
               <a:t>Fourth level</a:t>
             </a:r>
           </a:p>
           <a:p>
             <a:pPr lvl="4"/>
             <a:r>
-              <a:rPr lang="en-US" smtClean="0"/>
+              <a:rPr lang="en-US"/>
               <a:t>Fifth level</a:t>
             </a:r>
-            <a:endParaRPr lang="en-US"/>
           </a:p>
         </p:txBody>
       </p:sp>
@@ -592,7 +591,7 @@
           <a:p>
             <a:fld id="{35A03DB7-35F4-49F8-9F7C-F9A34C2BA1DF}" type="datetimeFigureOut">
               <a:rPr lang="en-US" smtClean="0"/>
-              <a:t>5/6/2021</a:t>
+              <a:t>5/8/2021</a:t>
             </a:fld>
             <a:endParaRPr lang="en-US"/>
           </a:p>
@@ -686,10 +685,9 @@
           <a:lstStyle/>
           <a:p>
             <a:r>
-              <a:rPr lang="en-US" smtClean="0"/>
+              <a:rPr lang="en-US"/>
               <a:t>Click to edit Master title style</a:t>
             </a:r>
-            <a:endParaRPr lang="en-US"/>
           </a:p>
         </p:txBody>
       </p:sp>
@@ -710,38 +708,37 @@
           <a:p>
             <a:pPr lvl="0"/>
             <a:r>
-              <a:rPr lang="en-US" smtClean="0"/>
+              <a:rPr lang="en-US"/>
               <a:t>Edit Master text styles</a:t>
             </a:r>
           </a:p>
           <a:p>
             <a:pPr lvl="1"/>
             <a:r>
-              <a:rPr lang="en-US" smtClean="0"/>
+              <a:rPr lang="en-US"/>
               <a:t>Second level</a:t>
             </a:r>
           </a:p>
           <a:p>
             <a:pPr lvl="2"/>
             <a:r>
-              <a:rPr lang="en-US" smtClean="0"/>
+              <a:rPr lang="en-US"/>
               <a:t>Third level</a:t>
             </a:r>
           </a:p>
           <a:p>
             <a:pPr lvl="3"/>
             <a:r>
-              <a:rPr lang="en-US" smtClean="0"/>
+              <a:rPr lang="en-US"/>
               <a:t>Fourth level</a:t>
             </a:r>
           </a:p>
           <a:p>
             <a:pPr lvl="4"/>
             <a:r>
-              <a:rPr lang="en-US" smtClean="0"/>
+              <a:rPr lang="en-US"/>
               <a:t>Fifth level</a:t>
             </a:r>
-            <a:endParaRPr lang="en-US"/>
           </a:p>
         </p:txBody>
       </p:sp>
@@ -762,7 +759,7 @@
           <a:p>
             <a:fld id="{35A03DB7-35F4-49F8-9F7C-F9A34C2BA1DF}" type="datetimeFigureOut">
               <a:rPr lang="en-US" smtClean="0"/>
-              <a:t>5/6/2021</a:t>
+              <a:t>5/8/2021</a:t>
             </a:fld>
             <a:endParaRPr lang="en-US"/>
           </a:p>
@@ -865,10 +862,9 @@
           </a:lstStyle>
           <a:p>
             <a:r>
-              <a:rPr lang="en-US" smtClean="0"/>
+              <a:rPr lang="en-US"/>
               <a:t>Click to edit Master title style</a:t>
             </a:r>
-            <a:endParaRPr lang="en-US"/>
           </a:p>
         </p:txBody>
       </p:sp>
@@ -985,7 +981,7 @@
           <a:p>
             <a:pPr lvl="0"/>
             <a:r>
-              <a:rPr lang="en-US" smtClean="0"/>
+              <a:rPr lang="en-US"/>
               <a:t>Edit Master text styles</a:t>
             </a:r>
           </a:p>
@@ -1008,7 +1004,7 @@
           <a:p>
             <a:fld id="{35A03DB7-35F4-49F8-9F7C-F9A34C2BA1DF}" type="datetimeFigureOut">
               <a:rPr lang="en-US" smtClean="0"/>
-              <a:t>5/6/2021</a:t>
+              <a:t>5/8/2021</a:t>
             </a:fld>
             <a:endParaRPr lang="en-US"/>
           </a:p>
@@ -1102,10 +1098,9 @@
           <a:lstStyle/>
           <a:p>
             <a:r>
-              <a:rPr lang="en-US" smtClean="0"/>
+              <a:rPr lang="en-US"/>
               <a:t>Click to edit Master title style</a:t>
             </a:r>
-            <a:endParaRPr lang="en-US"/>
           </a:p>
         </p:txBody>
       </p:sp>
@@ -1131,38 +1126,37 @@
           <a:p>
             <a:pPr lvl="0"/>
             <a:r>
-              <a:rPr lang="en-US" smtClean="0"/>
+              <a:rPr lang="en-US"/>
               <a:t>Edit Master text styles</a:t>
             </a:r>
           </a:p>
           <a:p>
             <a:pPr lvl="1"/>
             <a:r>
-              <a:rPr lang="en-US" smtClean="0"/>
+              <a:rPr lang="en-US"/>
               <a:t>Second level</a:t>
             </a:r>
           </a:p>
           <a:p>
             <a:pPr lvl="2"/>
             <a:r>
-              <a:rPr lang="en-US" smtClean="0"/>
+              <a:rPr lang="en-US"/>
               <a:t>Third level</a:t>
             </a:r>
           </a:p>
           <a:p>
             <a:pPr lvl="3"/>
             <a:r>
-              <a:rPr lang="en-US" smtClean="0"/>
+              <a:rPr lang="en-US"/>
               <a:t>Fourth level</a:t>
             </a:r>
           </a:p>
           <a:p>
             <a:pPr lvl="4"/>
             <a:r>
-              <a:rPr lang="en-US" smtClean="0"/>
+              <a:rPr lang="en-US"/>
               <a:t>Fifth level</a:t>
             </a:r>
-            <a:endParaRPr lang="en-US"/>
           </a:p>
         </p:txBody>
       </p:sp>
@@ -1188,38 +1182,37 @@
           <a:p>
             <a:pPr lvl="0"/>
             <a:r>
-              <a:rPr lang="en-US" smtClean="0"/>
+              <a:rPr lang="en-US"/>
               <a:t>Edit Master text styles</a:t>
             </a:r>
           </a:p>
           <a:p>
             <a:pPr lvl="1"/>
             <a:r>
-              <a:rPr lang="en-US" smtClean="0"/>
+              <a:rPr lang="en-US"/>
               <a:t>Second level</a:t>
             </a:r>
           </a:p>
           <a:p>
             <a:pPr lvl="2"/>
             <a:r>
-              <a:rPr lang="en-US" smtClean="0"/>
+              <a:rPr lang="en-US"/>
               <a:t>Third level</a:t>
             </a:r>
           </a:p>
           <a:p>
             <a:pPr lvl="3"/>
             <a:r>
-              <a:rPr lang="en-US" smtClean="0"/>
+              <a:rPr lang="en-US"/>
               <a:t>Fourth level</a:t>
             </a:r>
           </a:p>
           <a:p>
             <a:pPr lvl="4"/>
             <a:r>
-              <a:rPr lang="en-US" smtClean="0"/>
+              <a:rPr lang="en-US"/>
               <a:t>Fifth level</a:t>
             </a:r>
-            <a:endParaRPr lang="en-US"/>
           </a:p>
         </p:txBody>
       </p:sp>
@@ -1240,7 +1233,7 @@
           <a:p>
             <a:fld id="{35A03DB7-35F4-49F8-9F7C-F9A34C2BA1DF}" type="datetimeFigureOut">
               <a:rPr lang="en-US" smtClean="0"/>
-              <a:t>5/6/2021</a:t>
+              <a:t>5/8/2021</a:t>
             </a:fld>
             <a:endParaRPr lang="en-US"/>
           </a:p>
@@ -1339,10 +1332,9 @@
           <a:lstStyle/>
           <a:p>
             <a:r>
-              <a:rPr lang="en-US" smtClean="0"/>
+              <a:rPr lang="en-US"/>
               <a:t>Click to edit Master title style</a:t>
             </a:r>
-            <a:endParaRPr lang="en-US"/>
           </a:p>
         </p:txBody>
       </p:sp>
@@ -1405,7 +1397,7 @@
           <a:p>
             <a:pPr lvl="0"/>
             <a:r>
-              <a:rPr lang="en-US" smtClean="0"/>
+              <a:rPr lang="en-US"/>
               <a:t>Edit Master text styles</a:t>
             </a:r>
           </a:p>
@@ -1433,38 +1425,37 @@
           <a:p>
             <a:pPr lvl="0"/>
             <a:r>
-              <a:rPr lang="en-US" smtClean="0"/>
+              <a:rPr lang="en-US"/>
               <a:t>Edit Master text styles</a:t>
             </a:r>
           </a:p>
           <a:p>
             <a:pPr lvl="1"/>
             <a:r>
-              <a:rPr lang="en-US" smtClean="0"/>
+              <a:rPr lang="en-US"/>
               <a:t>Second level</a:t>
             </a:r>
           </a:p>
           <a:p>
             <a:pPr lvl="2"/>
             <a:r>
-              <a:rPr lang="en-US" smtClean="0"/>
+              <a:rPr lang="en-US"/>
               <a:t>Third level</a:t>
             </a:r>
           </a:p>
           <a:p>
             <a:pPr lvl="3"/>
             <a:r>
-              <a:rPr lang="en-US" smtClean="0"/>
+              <a:rPr lang="en-US"/>
               <a:t>Fourth level</a:t>
             </a:r>
           </a:p>
           <a:p>
             <a:pPr lvl="4"/>
             <a:r>
-              <a:rPr lang="en-US" smtClean="0"/>
+              <a:rPr lang="en-US"/>
               <a:t>Fifth level</a:t>
             </a:r>
-            <a:endParaRPr lang="en-US"/>
           </a:p>
         </p:txBody>
       </p:sp>
@@ -1527,7 +1518,7 @@
           <a:p>
             <a:pPr lvl="0"/>
             <a:r>
-              <a:rPr lang="en-US" smtClean="0"/>
+              <a:rPr lang="en-US"/>
               <a:t>Edit Master text styles</a:t>
             </a:r>
           </a:p>
@@ -1555,38 +1546,37 @@
           <a:p>
             <a:pPr lvl="0"/>
             <a:r>
-              <a:rPr lang="en-US" smtClean="0"/>
+              <a:rPr lang="en-US"/>
               <a:t>Edit Master text styles</a:t>
             </a:r>
           </a:p>
           <a:p>
             <a:pPr lvl="1"/>
             <a:r>
-              <a:rPr lang="en-US" smtClean="0"/>
+              <a:rPr lang="en-US"/>
               <a:t>Second level</a:t>
             </a:r>
           </a:p>
           <a:p>
             <a:pPr lvl="2"/>
             <a:r>
-              <a:rPr lang="en-US" smtClean="0"/>
+              <a:rPr lang="en-US"/>
               <a:t>Third level</a:t>
             </a:r>
           </a:p>
           <a:p>
             <a:pPr lvl="3"/>
             <a:r>
-              <a:rPr lang="en-US" smtClean="0"/>
+              <a:rPr lang="en-US"/>
               <a:t>Fourth level</a:t>
             </a:r>
           </a:p>
           <a:p>
             <a:pPr lvl="4"/>
             <a:r>
-              <a:rPr lang="en-US" smtClean="0"/>
+              <a:rPr lang="en-US"/>
               <a:t>Fifth level</a:t>
             </a:r>
-            <a:endParaRPr lang="en-US"/>
           </a:p>
         </p:txBody>
       </p:sp>
@@ -1607,7 +1597,7 @@
           <a:p>
             <a:fld id="{35A03DB7-35F4-49F8-9F7C-F9A34C2BA1DF}" type="datetimeFigureOut">
               <a:rPr lang="en-US" smtClean="0"/>
-              <a:t>5/6/2021</a:t>
+              <a:t>5/8/2021</a:t>
             </a:fld>
             <a:endParaRPr lang="en-US"/>
           </a:p>
@@ -1701,10 +1691,9 @@
           <a:lstStyle/>
           <a:p>
             <a:r>
-              <a:rPr lang="en-US" smtClean="0"/>
+              <a:rPr lang="en-US"/>
               <a:t>Click to edit Master title style</a:t>
             </a:r>
-            <a:endParaRPr lang="en-US"/>
           </a:p>
         </p:txBody>
       </p:sp>
@@ -1725,7 +1714,7 @@
           <a:p>
             <a:fld id="{35A03DB7-35F4-49F8-9F7C-F9A34C2BA1DF}" type="datetimeFigureOut">
               <a:rPr lang="en-US" smtClean="0"/>
-              <a:t>5/6/2021</a:t>
+              <a:t>5/8/2021</a:t>
             </a:fld>
             <a:endParaRPr lang="en-US"/>
           </a:p>
@@ -1820,7 +1809,7 @@
           <a:p>
             <a:fld id="{35A03DB7-35F4-49F8-9F7C-F9A34C2BA1DF}" type="datetimeFigureOut">
               <a:rPr lang="en-US" smtClean="0"/>
-              <a:t>5/6/2021</a:t>
+              <a:t>5/8/2021</a:t>
             </a:fld>
             <a:endParaRPr lang="en-US"/>
           </a:p>
@@ -1923,10 +1912,9 @@
           </a:lstStyle>
           <a:p>
             <a:r>
-              <a:rPr lang="en-US" smtClean="0"/>
+              <a:rPr lang="en-US"/>
               <a:t>Click to edit Master title style</a:t>
             </a:r>
-            <a:endParaRPr lang="en-US"/>
           </a:p>
         </p:txBody>
       </p:sp>
@@ -1980,38 +1968,37 @@
           <a:p>
             <a:pPr lvl="0"/>
             <a:r>
-              <a:rPr lang="en-US" smtClean="0"/>
+              <a:rPr lang="en-US"/>
               <a:t>Edit Master text styles</a:t>
             </a:r>
           </a:p>
           <a:p>
             <a:pPr lvl="1"/>
             <a:r>
-              <a:rPr lang="en-US" smtClean="0"/>
+              <a:rPr lang="en-US"/>
               <a:t>Second level</a:t>
             </a:r>
           </a:p>
           <a:p>
             <a:pPr lvl="2"/>
             <a:r>
-              <a:rPr lang="en-US" smtClean="0"/>
+              <a:rPr lang="en-US"/>
               <a:t>Third level</a:t>
             </a:r>
           </a:p>
           <a:p>
             <a:pPr lvl="3"/>
             <a:r>
-              <a:rPr lang="en-US" smtClean="0"/>
+              <a:rPr lang="en-US"/>
               <a:t>Fourth level</a:t>
             </a:r>
           </a:p>
           <a:p>
             <a:pPr lvl="4"/>
             <a:r>
-              <a:rPr lang="en-US" smtClean="0"/>
+              <a:rPr lang="en-US"/>
               <a:t>Fifth level</a:t>
             </a:r>
-            <a:endParaRPr lang="en-US"/>
           </a:p>
         </p:txBody>
       </p:sp>
@@ -2074,7 +2061,7 @@
           <a:p>
             <a:pPr lvl="0"/>
             <a:r>
-              <a:rPr lang="en-US" smtClean="0"/>
+              <a:rPr lang="en-US"/>
               <a:t>Edit Master text styles</a:t>
             </a:r>
           </a:p>
@@ -2097,7 +2084,7 @@
           <a:p>
             <a:fld id="{35A03DB7-35F4-49F8-9F7C-F9A34C2BA1DF}" type="datetimeFigureOut">
               <a:rPr lang="en-US" smtClean="0"/>
-              <a:t>5/6/2021</a:t>
+              <a:t>5/8/2021</a:t>
             </a:fld>
             <a:endParaRPr lang="en-US"/>
           </a:p>
@@ -2200,10 +2187,9 @@
           </a:lstStyle>
           <a:p>
             <a:r>
-              <a:rPr lang="en-US" smtClean="0"/>
+              <a:rPr lang="en-US"/>
               <a:t>Click to edit Master title style</a:t>
             </a:r>
-            <a:endParaRPr lang="en-US"/>
           </a:p>
         </p:txBody>
       </p:sp>
@@ -2327,7 +2313,7 @@
           <a:p>
             <a:pPr lvl="0"/>
             <a:r>
-              <a:rPr lang="en-US" smtClean="0"/>
+              <a:rPr lang="en-US"/>
               <a:t>Edit Master text styles</a:t>
             </a:r>
           </a:p>
@@ -2350,7 +2336,7 @@
           <a:p>
             <a:fld id="{35A03DB7-35F4-49F8-9F7C-F9A34C2BA1DF}" type="datetimeFigureOut">
               <a:rPr lang="en-US" smtClean="0"/>
-              <a:t>5/6/2021</a:t>
+              <a:t>5/8/2021</a:t>
             </a:fld>
             <a:endParaRPr lang="en-US"/>
           </a:p>
@@ -2459,10 +2445,9 @@
           <a:lstStyle/>
           <a:p>
             <a:r>
-              <a:rPr lang="en-US" smtClean="0"/>
+              <a:rPr lang="en-US"/>
               <a:t>Click to edit Master title style</a:t>
             </a:r>
-            <a:endParaRPr lang="en-US"/>
           </a:p>
         </p:txBody>
       </p:sp>
@@ -2493,38 +2478,37 @@
           <a:p>
             <a:pPr lvl="0"/>
             <a:r>
-              <a:rPr lang="en-US" smtClean="0"/>
+              <a:rPr lang="en-US"/>
               <a:t>Edit Master text styles</a:t>
             </a:r>
           </a:p>
           <a:p>
             <a:pPr lvl="1"/>
             <a:r>
-              <a:rPr lang="en-US" smtClean="0"/>
+              <a:rPr lang="en-US"/>
               <a:t>Second level</a:t>
             </a:r>
           </a:p>
           <a:p>
             <a:pPr lvl="2"/>
             <a:r>
-              <a:rPr lang="en-US" smtClean="0"/>
+              <a:rPr lang="en-US"/>
               <a:t>Third level</a:t>
             </a:r>
           </a:p>
           <a:p>
             <a:pPr lvl="3"/>
             <a:r>
-              <a:rPr lang="en-US" smtClean="0"/>
+              <a:rPr lang="en-US"/>
               <a:t>Fourth level</a:t>
             </a:r>
           </a:p>
           <a:p>
             <a:pPr lvl="4"/>
             <a:r>
-              <a:rPr lang="en-US" smtClean="0"/>
+              <a:rPr lang="en-US"/>
               <a:t>Fifth level</a:t>
             </a:r>
-            <a:endParaRPr lang="en-US"/>
           </a:p>
         </p:txBody>
       </p:sp>
@@ -2563,7 +2547,7 @@
           <a:p>
             <a:fld id="{35A03DB7-35F4-49F8-9F7C-F9A34C2BA1DF}" type="datetimeFigureOut">
               <a:rPr lang="en-US" smtClean="0"/>
-              <a:t>5/6/2021</a:t>
+              <a:t>5/8/2021</a:t>
             </a:fld>
             <a:endParaRPr lang="en-US"/>
           </a:p>
@@ -2984,19 +2968,19 @@
           <a:lstStyle/>
           <a:p>
             <a:r>
-              <a:rPr lang="en-US" dirty="0" smtClean="0"/>
+              <a:rPr lang="en-US" dirty="0"/>
               <a:t>Bean scopes. </a:t>
             </a:r>
             <a:r>
-              <a:rPr lang="ru-RU" dirty="0" smtClean="0"/>
+              <a:rPr lang="ru-RU" dirty="0"/>
               <a:t>Области видимости/применения </a:t>
             </a:r>
             <a:r>
-              <a:rPr lang="ru-RU" dirty="0" err="1" smtClean="0"/>
+              <a:rPr lang="ru-RU" dirty="0" err="1"/>
               <a:t>бинов</a:t>
             </a:r>
             <a:r>
-              <a:rPr lang="ru-RU" dirty="0" smtClean="0"/>
+              <a:rPr lang="ru-RU" dirty="0"/>
               <a:t>.</a:t>
             </a:r>
             <a:endParaRPr lang="en-US" dirty="0"/>
@@ -3019,104 +3003,100 @@
           <a:lstStyle/>
           <a:p>
             <a:r>
-              <a:rPr lang="en-US" dirty="0" smtClean="0"/>
+              <a:rPr lang="en-US" dirty="0"/>
               <a:t>Spring beans scopes </a:t>
             </a:r>
             <a:r>
-              <a:rPr lang="ru-RU" dirty="0" smtClean="0"/>
+              <a:rPr lang="ru-RU" dirty="0"/>
               <a:t>указывают </a:t>
             </a:r>
             <a:r>
-              <a:rPr lang="en-US" dirty="0" err="1" smtClean="0"/>
+              <a:rPr lang="en-US" dirty="0" err="1"/>
               <a:t>Sping</a:t>
             </a:r>
             <a:r>
-              <a:rPr lang="en-US" dirty="0" smtClean="0"/>
+              <a:rPr lang="en-US" dirty="0"/>
               <a:t>, </a:t>
             </a:r>
             <a:r>
-              <a:rPr lang="ru-RU" dirty="0" smtClean="0"/>
+              <a:rPr lang="ru-RU" dirty="0"/>
               <a:t>как ему управлять жизненным циклом </a:t>
             </a:r>
             <a:r>
-              <a:rPr lang="ru-RU" dirty="0" err="1" smtClean="0"/>
+              <a:rPr lang="ru-RU" dirty="0" err="1"/>
               <a:t>бина</a:t>
             </a:r>
             <a:r>
-              <a:rPr lang="ru-RU" dirty="0" smtClean="0"/>
+              <a:rPr lang="ru-RU" dirty="0"/>
               <a:t>.</a:t>
             </a:r>
           </a:p>
           <a:p>
             <a:r>
-              <a:rPr lang="ru-RU" dirty="0" smtClean="0"/>
+              <a:rPr lang="ru-RU" dirty="0"/>
               <a:t>Два базовых </a:t>
             </a:r>
             <a:r>
-              <a:rPr lang="ru-RU" dirty="0" err="1" smtClean="0"/>
+              <a:rPr lang="ru-RU" dirty="0" err="1"/>
               <a:t>скоупа</a:t>
             </a:r>
             <a:r>
-              <a:rPr lang="ru-RU" dirty="0" smtClean="0"/>
+              <a:rPr lang="ru-RU" dirty="0"/>
               <a:t>: </a:t>
             </a:r>
             <a:r>
-              <a:rPr lang="en-US" b="1" dirty="0" smtClean="0"/>
+              <a:rPr lang="en-US" b="1" dirty="0"/>
               <a:t>Singleton </a:t>
             </a:r>
             <a:r>
-              <a:rPr lang="ru-RU" dirty="0" smtClean="0"/>
+              <a:rPr lang="ru-RU" dirty="0"/>
               <a:t>и </a:t>
             </a:r>
             <a:r>
-              <a:rPr lang="en-US" b="1" dirty="0" smtClean="0"/>
+              <a:rPr lang="en-US" b="1" dirty="0"/>
               <a:t>Prototype</a:t>
             </a:r>
             <a:r>
-              <a:rPr lang="en-US" dirty="0" smtClean="0"/>
+              <a:rPr lang="en-US" dirty="0"/>
               <a:t>.</a:t>
             </a:r>
           </a:p>
           <a:p>
             <a:r>
-              <a:rPr lang="ru-RU" dirty="0" smtClean="0"/>
+              <a:rPr lang="ru-RU" dirty="0"/>
               <a:t>Три </a:t>
             </a:r>
             <a:r>
-              <a:rPr lang="ru-RU" dirty="0" err="1" smtClean="0"/>
+              <a:rPr lang="ru-RU" dirty="0" err="1"/>
               <a:t>допольнительных</a:t>
             </a:r>
             <a:r>
-              <a:rPr lang="ru-RU" dirty="0" smtClean="0"/>
+              <a:rPr lang="ru-RU" dirty="0"/>
               <a:t> </a:t>
             </a:r>
             <a:r>
-              <a:rPr lang="ru-RU" dirty="0" err="1" smtClean="0"/>
+              <a:rPr lang="ru-RU" dirty="0" err="1"/>
               <a:t>скоупа</a:t>
             </a:r>
             <a:r>
-              <a:rPr lang="ru-RU" dirty="0" smtClean="0"/>
-              <a:t>, </a:t>
-            </a:r>
-            <a:r>
               <a:rPr lang="ru-RU" dirty="0"/>
-              <a:t>которые доступны только при использовании </a:t>
-            </a:r>
-            <a:r>
-              <a:rPr lang="en-US" dirty="0"/>
+              <a:t>, которые используются в </a:t>
+            </a:r>
+            <a:r>
+              <a:rPr lang="en-CA" dirty="0"/>
               <a:t>web </a:t>
             </a:r>
             <a:r>
               <a:rPr lang="ru-RU" dirty="0"/>
-              <a:t>специфичных </a:t>
-            </a:r>
-            <a:r>
-              <a:rPr lang="en-US" dirty="0" err="1"/>
-              <a:t>ApplicationContext</a:t>
-            </a:r>
-            <a:r>
-              <a:rPr lang="en-US" dirty="0"/>
-              <a:t>: </a:t>
+              <a:t>приложениях</a:t>
+            </a:r>
+            <a:r>
+              <a:rPr lang="en-CA" dirty="0"/>
+              <a:t>:</a:t>
+            </a:r>
+            <a:r>
+              <a:rPr lang="ru-RU" dirty="0"/>
+              <a:t> </a:t>
             </a:r>
             <a:r>
               <a:rPr lang="en-US" b="1" dirty="0"/>
@@ -3142,7 +3122,6 @@
               <a:rPr lang="en-US" dirty="0"/>
               <a:t>.</a:t>
             </a:r>
-            <a:endParaRPr lang="en-US" dirty="0" smtClean="0"/>
           </a:p>
           <a:p>
             <a:endParaRPr lang="en-US" dirty="0"/>
@@ -3203,30 +3182,34 @@
               <a:buNone/>
             </a:pPr>
             <a:r>
-              <a:rPr lang="ru-RU" b="1" dirty="0" err="1" smtClean="0"/>
+              <a:rPr lang="ru-RU" b="1" dirty="0" err="1"/>
               <a:t>Singleton</a:t>
             </a:r>
-            <a:endParaRPr lang="ru-RU" b="1" dirty="0" smtClean="0"/>
-          </a:p>
-          <a:p>
-            <a:r>
-              <a:rPr lang="ru-RU" dirty="0" smtClean="0"/>
+            <a:endParaRPr lang="ru-RU" b="1" dirty="0"/>
+          </a:p>
+          <a:p>
+            <a:r>
+              <a:rPr lang="ru-RU" dirty="0"/>
               <a:t>Значение всех </a:t>
             </a:r>
             <a:r>
-              <a:rPr lang="ru-RU" dirty="0" err="1" smtClean="0"/>
+              <a:rPr lang="ru-RU" dirty="0" err="1"/>
               <a:t>бинов</a:t>
             </a:r>
             <a:r>
-              <a:rPr lang="ru-RU" dirty="0" smtClean="0"/>
-              <a:t> по умолчанию. </a:t>
-            </a:r>
-            <a:r>
-              <a:rPr lang="ru-RU" dirty="0" err="1" smtClean="0"/>
+              <a:rPr lang="ru-RU" dirty="0"/>
+              <a:t> по умолчанию </a:t>
+            </a:r>
+            <a:r>
+              <a:rPr lang="ru-RU" dirty="0" err="1"/>
               <a:t>Singleton</a:t>
             </a:r>
             <a:r>
-              <a:rPr lang="ru-RU" dirty="0" smtClean="0"/>
+              <a:rPr lang="en-CA" dirty="0"/>
+              <a:t>.</a:t>
+            </a:r>
+            <a:r>
+              <a:rPr lang="ru-RU" dirty="0"/>
               <a:t> </a:t>
             </a:r>
             <a:r>
@@ -3245,7 +3228,6 @@
               <a:rPr lang="ru-RU" dirty="0"/>
               <a:t>, который просит эту зависимость.</a:t>
             </a:r>
-            <a:endParaRPr lang="ru-RU" dirty="0" smtClean="0"/>
           </a:p>
           <a:p>
             <a:endParaRPr lang="en-US" dirty="0"/>
@@ -3336,39 +3318,23 @@
               <a:buNone/>
             </a:pPr>
             <a:r>
-              <a:rPr lang="ru-RU" b="1" dirty="0" err="1" smtClean="0"/>
+              <a:rPr lang="ru-RU" b="1" dirty="0" err="1"/>
               <a:t>Prototype</a:t>
             </a:r>
-            <a:endParaRPr lang="ru-RU" b="1" dirty="0" smtClean="0"/>
+            <a:endParaRPr lang="ru-RU" b="1" dirty="0"/>
           </a:p>
           <a:p>
             <a:r>
               <a:rPr lang="ru-RU" dirty="0"/>
-              <a:t>Создаётся отдельный новый </a:t>
-            </a:r>
-            <a:r>
-              <a:rPr lang="ru-RU" dirty="0" smtClean="0"/>
-              <a:t>объект </a:t>
+              <a:t>Создаётся отдельный новый объект для каждого </a:t>
+            </a:r>
+            <a:r>
+              <a:rPr lang="ru-RU" dirty="0" err="1"/>
+              <a:t>бина</a:t>
             </a:r>
             <a:r>
               <a:rPr lang="ru-RU" dirty="0"/>
-              <a:t>для </a:t>
-            </a:r>
-            <a:r>
-              <a:rPr lang="ru-RU" dirty="0" smtClean="0"/>
-              <a:t>каждого </a:t>
-            </a:r>
-            <a:r>
-              <a:rPr lang="ru-RU" dirty="0" err="1" smtClean="0"/>
-              <a:t>бина</a:t>
-            </a:r>
-            <a:r>
-              <a:rPr lang="ru-RU" dirty="0" smtClean="0"/>
-              <a:t>, </a:t>
-            </a:r>
-            <a:r>
-              <a:rPr lang="ru-RU" dirty="0"/>
-              <a:t>который просит его в зависимость или при вызове через </a:t>
+              <a:t>, который просит его в зависимость или при вызове через </a:t>
             </a:r>
             <a:r>
               <a:rPr lang="ru-RU" dirty="0" err="1"/>
@@ -3378,7 +3344,6 @@
               <a:rPr lang="ru-RU" dirty="0"/>
               <a:t>().</a:t>
             </a:r>
-            <a:endParaRPr lang="ru-RU" dirty="0" smtClean="0"/>
           </a:p>
           <a:p>
             <a:endParaRPr lang="en-US" dirty="0"/>
@@ -3466,79 +3431,79 @@
           <a:lstStyle/>
           <a:p>
             <a:r>
-              <a:rPr lang="ru-RU" dirty="0" smtClean="0"/>
+              <a:rPr lang="ru-RU" dirty="0"/>
               <a:t>Случаи, в которых следует использовать </a:t>
             </a:r>
             <a:r>
-              <a:rPr lang="ru-RU" dirty="0" err="1" smtClean="0"/>
+              <a:rPr lang="ru-RU" dirty="0" err="1"/>
               <a:t>prototype</a:t>
             </a:r>
             <a:r>
-              <a:rPr lang="ru-RU" dirty="0" smtClean="0"/>
+              <a:rPr lang="ru-RU" dirty="0"/>
               <a:t> </a:t>
             </a:r>
             <a:r>
-              <a:rPr lang="ru-RU" dirty="0" err="1" smtClean="0"/>
+              <a:rPr lang="ru-RU" dirty="0" err="1"/>
               <a:t>скоуп</a:t>
             </a:r>
             <a:r>
-              <a:rPr lang="ru-RU" dirty="0" smtClean="0"/>
+              <a:rPr lang="ru-RU" dirty="0"/>
               <a:t>:</a:t>
             </a:r>
           </a:p>
           <a:p>
             <a:r>
-              <a:rPr lang="en-US" dirty="0" err="1" smtClean="0"/>
+              <a:rPr lang="en-US" dirty="0" err="1"/>
               <a:t>Stateful</a:t>
             </a:r>
             <a:r>
-              <a:rPr lang="en-US" dirty="0" smtClean="0"/>
+              <a:rPr lang="en-US" dirty="0"/>
               <a:t> </a:t>
             </a:r>
             <a:r>
-              <a:rPr lang="ru-RU" dirty="0" smtClean="0"/>
+              <a:rPr lang="ru-RU" dirty="0"/>
               <a:t>объект – есть изменяемые состояния.</a:t>
             </a:r>
           </a:p>
           <a:p>
             <a:r>
-              <a:rPr lang="ru-RU" dirty="0" smtClean="0"/>
+              <a:rPr lang="ru-RU" dirty="0"/>
               <a:t>Вам необходимо создавать экземпляр класса с предопределёнными конфигурациями</a:t>
             </a:r>
           </a:p>
           <a:p>
             <a:r>
-              <a:rPr lang="ru-RU" dirty="0" smtClean="0"/>
+              <a:rPr lang="ru-RU" dirty="0"/>
               <a:t>В ситуациях, когда вы бы использовали  оператор </a:t>
             </a:r>
             <a:r>
-              <a:rPr lang="ru-RU" dirty="0" err="1" smtClean="0"/>
+              <a:rPr lang="ru-RU" dirty="0" err="1"/>
               <a:t>new</a:t>
             </a:r>
             <a:r>
-              <a:rPr lang="ru-RU" dirty="0" smtClean="0"/>
+              <a:rPr lang="ru-RU" dirty="0"/>
               <a:t>, а не </a:t>
             </a:r>
             <a:r>
-              <a:rPr lang="ru-RU" dirty="0" err="1" smtClean="0"/>
+              <a:rPr lang="ru-RU" dirty="0" err="1"/>
               <a:t>синглтон</a:t>
             </a:r>
             <a:r>
-              <a:rPr lang="ru-RU" dirty="0" smtClean="0"/>
+              <a:rPr lang="ru-RU" dirty="0"/>
               <a:t>.</a:t>
             </a:r>
           </a:p>
           <a:p>
             <a:r>
-              <a:rPr lang="ru-RU" dirty="0" smtClean="0"/>
+              <a:rPr lang="ru-RU" dirty="0"/>
               <a:t>Вам нужно подобие </a:t>
             </a:r>
             <a:r>
-              <a:rPr lang="ru-RU" dirty="0" err="1" smtClean="0"/>
+              <a:rPr lang="ru-RU" dirty="0" err="1"/>
               <a:t>factory</a:t>
             </a:r>
             <a:r>
-              <a:rPr lang="ru-RU" dirty="0" smtClean="0"/>
+              <a:rPr lang="ru-RU" dirty="0"/>
               <a:t>-метода, который создаёт экземпляры по конфигурации описанной в XML.</a:t>
             </a:r>
           </a:p>
@@ -3601,45 +3566,65 @@
               <a:buNone/>
             </a:pPr>
             <a:r>
-              <a:rPr lang="ru-RU" dirty="0" smtClean="0"/>
+              <a:rPr lang="ru-RU" dirty="0"/>
               <a:t>В примере бин запрашивается 3 раза.</a:t>
             </a:r>
           </a:p>
           <a:p>
             <a:r>
-              <a:rPr lang="ru-RU" dirty="0" smtClean="0"/>
+              <a:rPr lang="ru-RU" dirty="0"/>
               <a:t>Если </a:t>
             </a:r>
             <a:r>
-              <a:rPr lang="ru-RU" dirty="0" err="1" smtClean="0"/>
+              <a:rPr lang="ru-RU" dirty="0" err="1"/>
               <a:t>скоуп</a:t>
             </a:r>
             <a:r>
-              <a:rPr lang="ru-RU" dirty="0" smtClean="0"/>
+              <a:rPr lang="ru-RU" dirty="0"/>
               <a:t> – </a:t>
             </a:r>
             <a:r>
-              <a:rPr lang="ru-RU" dirty="0" err="1" smtClean="0"/>
+              <a:rPr lang="ru-RU" dirty="0" err="1"/>
               <a:t>синглетон</a:t>
             </a:r>
             <a:r>
-              <a:rPr lang="ru-RU" dirty="0" smtClean="0"/>
+              <a:rPr lang="ru-RU" dirty="0"/>
               <a:t>. То все 3 переменные ссылается на один объект, если – </a:t>
             </a:r>
             <a:r>
-              <a:rPr lang="en-US" dirty="0" smtClean="0"/>
+              <a:rPr lang="en-US" dirty="0"/>
               <a:t>prototype – </a:t>
             </a:r>
             <a:r>
-              <a:rPr lang="ru-RU" dirty="0" smtClean="0"/>
-              <a:t>на 3 разных объекта(которые одинаковые т.е. </a:t>
-            </a:r>
-            <a:r>
-              <a:rPr lang="en-US" dirty="0" smtClean="0"/>
-              <a:t>Equals=true</a:t>
-            </a:r>
-            <a:r>
-              <a:rPr lang="ru-RU" dirty="0" smtClean="0"/>
+              <a:rPr lang="ru-RU" dirty="0"/>
+              <a:t>на 3 разных объекта</a:t>
+            </a:r>
+            <a:r>
+              <a:rPr lang="en-CA" dirty="0"/>
+              <a:t>, </a:t>
+            </a:r>
+            <a:r>
+              <a:rPr lang="ru-RU" dirty="0"/>
+              <a:t>которые ссылаются на разные участки памяти, поэтому == </a:t>
+            </a:r>
+            <a:r>
+              <a:rPr lang="en-CA" dirty="0"/>
+              <a:t>false</a:t>
+            </a:r>
+            <a:r>
+              <a:rPr lang="en-US" dirty="0"/>
+              <a:t>)</a:t>
+            </a:r>
+            <a:r>
+              <a:rPr lang="ru-RU" dirty="0"/>
+              <a:t>. Но имеют одинаковые поля, поэтому </a:t>
+            </a:r>
+            <a:r>
+              <a:rPr lang="en-CA" dirty="0"/>
+              <a:t>Equals == true</a:t>
+            </a:r>
+            <a:r>
+              <a:rPr lang="ru-RU" dirty="0"/>
               <a:t>)</a:t>
             </a:r>
             <a:endParaRPr lang="en-US" dirty="0"/>
